--- a/presentation/Presentation.pptx
+++ b/presentation/Presentation.pptx
@@ -107,6 +107,11 @@
       </a:defRPr>
     </a:lvl9pPr>
   </p:defaultTextStyle>
+  <p:extLst>
+    <p:ext uri="{EFAFB233-063F-42B5-8137-9DF3F51BA10A}">
+      <p15:sldGuideLst xmlns:p15="http://schemas.microsoft.com/office/powerpoint/2012/main"/>
+    </p:ext>
+  </p:extLst>
 </p:presentation>
 </file>
 
@@ -4519,7 +4524,7 @@
             <a:pPr lvl="1"/>
             <a:r>
               <a:rPr lang="en-US" sz="1200" dirty="0"/>
-              <a:t>Multicollinearity inflates the standard errors, and the variance, of coefficients.  That’s why we us ethe variance inflation factor to detect it.</a:t>
+              <a:t>Multicollinearity inflates the standard errors, and the variance, of coefficients.  That’s why we us the variance inflation factor to detect it.</a:t>
             </a:r>
           </a:p>
           <a:p>
@@ -4648,8 +4653,8 @@
             <a:chExt cx="290160" cy="156240"/>
           </a:xfrm>
         </p:grpSpPr>
-        <mc:AlternateContent xmlns:mc="http://schemas.openxmlformats.org/markup-compatibility/2006">
-          <mc:Choice xmlns:p14="http://schemas.microsoft.com/office/powerpoint/2010/main" Requires="p14">
+        <mc:AlternateContent xmlns:mc="http://schemas.openxmlformats.org/markup-compatibility/2006" xmlns:p14="http://schemas.microsoft.com/office/powerpoint/2010/main">
+          <mc:Choice Requires="p14">
             <p:contentPart p14:bwMode="auto" r:id="rId3">
               <p14:nvContentPartPr>
                 <p14:cNvPr id="17" name="Ink 16">
@@ -4668,7 +4673,7 @@
               </p14:xfrm>
             </p:contentPart>
           </mc:Choice>
-          <mc:Fallback>
+          <mc:Fallback xmlns="">
             <p:pic>
               <p:nvPicPr>
                 <p:cNvPr id="17" name="Ink 16">
@@ -4699,8 +4704,8 @@
             </p:pic>
           </mc:Fallback>
         </mc:AlternateContent>
-        <mc:AlternateContent xmlns:mc="http://schemas.openxmlformats.org/markup-compatibility/2006">
-          <mc:Choice xmlns:p14="http://schemas.microsoft.com/office/powerpoint/2010/main" Requires="p14">
+        <mc:AlternateContent xmlns:mc="http://schemas.openxmlformats.org/markup-compatibility/2006" xmlns:p14="http://schemas.microsoft.com/office/powerpoint/2010/main">
+          <mc:Choice Requires="p14">
             <p:contentPart p14:bwMode="auto" r:id="rId5">
               <p14:nvContentPartPr>
                 <p14:cNvPr id="18" name="Ink 17">
@@ -4719,7 +4724,7 @@
               </p14:xfrm>
             </p:contentPart>
           </mc:Choice>
-          <mc:Fallback>
+          <mc:Fallback xmlns="">
             <p:pic>
               <p:nvPicPr>
                 <p:cNvPr id="18" name="Ink 17">
@@ -4750,8 +4755,8 @@
             </p:pic>
           </mc:Fallback>
         </mc:AlternateContent>
-        <mc:AlternateContent xmlns:mc="http://schemas.openxmlformats.org/markup-compatibility/2006">
-          <mc:Choice xmlns:p14="http://schemas.microsoft.com/office/powerpoint/2010/main" Requires="p14">
+        <mc:AlternateContent xmlns:mc="http://schemas.openxmlformats.org/markup-compatibility/2006" xmlns:p14="http://schemas.microsoft.com/office/powerpoint/2010/main">
+          <mc:Choice Requires="p14">
             <p:contentPart p14:bwMode="auto" r:id="rId6">
               <p14:nvContentPartPr>
                 <p14:cNvPr id="19" name="Ink 18">
@@ -4770,7 +4775,7 @@
               </p14:xfrm>
             </p:contentPart>
           </mc:Choice>
-          <mc:Fallback>
+          <mc:Fallback xmlns="">
             <p:pic>
               <p:nvPicPr>
                 <p:cNvPr id="19" name="Ink 18">
@@ -4802,8 +4807,8 @@
           </mc:Fallback>
         </mc:AlternateContent>
       </p:grpSp>
-      <mc:AlternateContent xmlns:mc="http://schemas.openxmlformats.org/markup-compatibility/2006">
-        <mc:Choice xmlns:p14="http://schemas.microsoft.com/office/powerpoint/2010/main" Requires="p14">
+      <mc:AlternateContent xmlns:mc="http://schemas.openxmlformats.org/markup-compatibility/2006" xmlns:p14="http://schemas.microsoft.com/office/powerpoint/2010/main">
+        <mc:Choice Requires="p14">
           <p:contentPart p14:bwMode="auto" r:id="rId7">
             <p14:nvContentPartPr>
               <p14:cNvPr id="21" name="Ink 20">
@@ -4822,7 +4827,7 @@
             </p14:xfrm>
           </p:contentPart>
         </mc:Choice>
-        <mc:Fallback>
+        <mc:Fallback xmlns="">
           <p:pic>
             <p:nvPicPr>
               <p:cNvPr id="21" name="Ink 20">
@@ -4853,8 +4858,8 @@
           </p:pic>
         </mc:Fallback>
       </mc:AlternateContent>
-      <mc:AlternateContent xmlns:mc="http://schemas.openxmlformats.org/markup-compatibility/2006">
-        <mc:Choice xmlns:p14="http://schemas.microsoft.com/office/powerpoint/2010/main" Requires="p14">
+      <mc:AlternateContent xmlns:mc="http://schemas.openxmlformats.org/markup-compatibility/2006" xmlns:p14="http://schemas.microsoft.com/office/powerpoint/2010/main">
+        <mc:Choice Requires="p14">
           <p:contentPart p14:bwMode="auto" r:id="rId8">
             <p14:nvContentPartPr>
               <p14:cNvPr id="22" name="Ink 21">
@@ -4873,7 +4878,7 @@
             </p14:xfrm>
           </p:contentPart>
         </mc:Choice>
-        <mc:Fallback>
+        <mc:Fallback xmlns="">
           <p:pic>
             <p:nvPicPr>
               <p:cNvPr id="22" name="Ink 21">
@@ -4904,8 +4909,8 @@
           </p:pic>
         </mc:Fallback>
       </mc:AlternateContent>
-      <mc:AlternateContent xmlns:mc="http://schemas.openxmlformats.org/markup-compatibility/2006">
-        <mc:Choice xmlns:p14="http://schemas.microsoft.com/office/powerpoint/2010/main" Requires="p14">
+      <mc:AlternateContent xmlns:mc="http://schemas.openxmlformats.org/markup-compatibility/2006" xmlns:p14="http://schemas.microsoft.com/office/powerpoint/2010/main">
+        <mc:Choice Requires="p14">
           <p:contentPart p14:bwMode="auto" r:id="rId9">
             <p14:nvContentPartPr>
               <p14:cNvPr id="23" name="Ink 22">
@@ -4924,7 +4929,7 @@
             </p14:xfrm>
           </p:contentPart>
         </mc:Choice>
-        <mc:Fallback>
+        <mc:Fallback xmlns="">
           <p:pic>
             <p:nvPicPr>
               <p:cNvPr id="23" name="Ink 22">
@@ -4955,8 +4960,8 @@
           </p:pic>
         </mc:Fallback>
       </mc:AlternateContent>
-      <mc:AlternateContent xmlns:mc="http://schemas.openxmlformats.org/markup-compatibility/2006">
-        <mc:Choice xmlns:p14="http://schemas.microsoft.com/office/powerpoint/2010/main" Requires="p14">
+      <mc:AlternateContent xmlns:mc="http://schemas.openxmlformats.org/markup-compatibility/2006" xmlns:p14="http://schemas.microsoft.com/office/powerpoint/2010/main">
+        <mc:Choice Requires="p14">
           <p:contentPart p14:bwMode="auto" r:id="rId10">
             <p14:nvContentPartPr>
               <p14:cNvPr id="24" name="Ink 23">
@@ -4975,7 +4980,7 @@
             </p14:xfrm>
           </p:contentPart>
         </mc:Choice>
-        <mc:Fallback>
+        <mc:Fallback xmlns="">
           <p:pic>
             <p:nvPicPr>
               <p:cNvPr id="24" name="Ink 23">
@@ -5006,8 +5011,8 @@
           </p:pic>
         </mc:Fallback>
       </mc:AlternateContent>
-      <mc:AlternateContent xmlns:mc="http://schemas.openxmlformats.org/markup-compatibility/2006">
-        <mc:Choice xmlns:p14="http://schemas.microsoft.com/office/powerpoint/2010/main" Requires="p14">
+      <mc:AlternateContent xmlns:mc="http://schemas.openxmlformats.org/markup-compatibility/2006" xmlns:p14="http://schemas.microsoft.com/office/powerpoint/2010/main">
+        <mc:Choice Requires="p14">
           <p:contentPart p14:bwMode="auto" r:id="rId11">
             <p14:nvContentPartPr>
               <p14:cNvPr id="25" name="Ink 24">
@@ -5026,7 +5031,7 @@
             </p14:xfrm>
           </p:contentPart>
         </mc:Choice>
-        <mc:Fallback>
+        <mc:Fallback xmlns="">
           <p:pic>
             <p:nvPicPr>
               <p:cNvPr id="25" name="Ink 24">
@@ -5057,8 +5062,8 @@
           </p:pic>
         </mc:Fallback>
       </mc:AlternateContent>
-      <mc:AlternateContent xmlns:mc="http://schemas.openxmlformats.org/markup-compatibility/2006">
-        <mc:Choice xmlns:p14="http://schemas.microsoft.com/office/powerpoint/2010/main" Requires="p14">
+      <mc:AlternateContent xmlns:mc="http://schemas.openxmlformats.org/markup-compatibility/2006" xmlns:p14="http://schemas.microsoft.com/office/powerpoint/2010/main">
+        <mc:Choice Requires="p14">
           <p:contentPart p14:bwMode="auto" r:id="rId12">
             <p14:nvContentPartPr>
               <p14:cNvPr id="26" name="Ink 25">
@@ -5077,7 +5082,7 @@
             </p14:xfrm>
           </p:contentPart>
         </mc:Choice>
-        <mc:Fallback>
+        <mc:Fallback xmlns="">
           <p:pic>
             <p:nvPicPr>
               <p:cNvPr id="26" name="Ink 25">
@@ -5108,8 +5113,8 @@
           </p:pic>
         </mc:Fallback>
       </mc:AlternateContent>
-      <mc:AlternateContent xmlns:mc="http://schemas.openxmlformats.org/markup-compatibility/2006">
-        <mc:Choice xmlns:p14="http://schemas.microsoft.com/office/powerpoint/2010/main" Requires="p14">
+      <mc:AlternateContent xmlns:mc="http://schemas.openxmlformats.org/markup-compatibility/2006" xmlns:p14="http://schemas.microsoft.com/office/powerpoint/2010/main">
+        <mc:Choice Requires="p14">
           <p:contentPart p14:bwMode="auto" r:id="rId13">
             <p14:nvContentPartPr>
               <p14:cNvPr id="27" name="Ink 26">
@@ -5128,7 +5133,7 @@
             </p14:xfrm>
           </p:contentPart>
         </mc:Choice>
-        <mc:Fallback>
+        <mc:Fallback xmlns="">
           <p:pic>
             <p:nvPicPr>
               <p:cNvPr id="27" name="Ink 26">
@@ -5159,8 +5164,8 @@
           </p:pic>
         </mc:Fallback>
       </mc:AlternateContent>
-      <mc:AlternateContent xmlns:mc="http://schemas.openxmlformats.org/markup-compatibility/2006">
-        <mc:Choice xmlns:p14="http://schemas.microsoft.com/office/powerpoint/2010/main" Requires="p14">
+      <mc:AlternateContent xmlns:mc="http://schemas.openxmlformats.org/markup-compatibility/2006" xmlns:p14="http://schemas.microsoft.com/office/powerpoint/2010/main">
+        <mc:Choice Requires="p14">
           <p:contentPart p14:bwMode="auto" r:id="rId14">
             <p14:nvContentPartPr>
               <p14:cNvPr id="28" name="Ink 27">
@@ -5179,7 +5184,7 @@
             </p14:xfrm>
           </p:contentPart>
         </mc:Choice>
-        <mc:Fallback>
+        <mc:Fallback xmlns="">
           <p:pic>
             <p:nvPicPr>
               <p:cNvPr id="28" name="Ink 27">
@@ -5210,8 +5215,8 @@
           </p:pic>
         </mc:Fallback>
       </mc:AlternateContent>
-      <mc:AlternateContent xmlns:mc="http://schemas.openxmlformats.org/markup-compatibility/2006">
-        <mc:Choice xmlns:p14="http://schemas.microsoft.com/office/powerpoint/2010/main" Requires="p14">
+      <mc:AlternateContent xmlns:mc="http://schemas.openxmlformats.org/markup-compatibility/2006" xmlns:p14="http://schemas.microsoft.com/office/powerpoint/2010/main">
+        <mc:Choice Requires="p14">
           <p:contentPart p14:bwMode="auto" r:id="rId15">
             <p14:nvContentPartPr>
               <p14:cNvPr id="29" name="Ink 28">
@@ -5230,7 +5235,7 @@
             </p14:xfrm>
           </p:contentPart>
         </mc:Choice>
-        <mc:Fallback>
+        <mc:Fallback xmlns="">
           <p:pic>
             <p:nvPicPr>
               <p:cNvPr id="29" name="Ink 28">
@@ -5261,8 +5266,8 @@
           </p:pic>
         </mc:Fallback>
       </mc:AlternateContent>
-      <mc:AlternateContent xmlns:mc="http://schemas.openxmlformats.org/markup-compatibility/2006">
-        <mc:Choice xmlns:p14="http://schemas.microsoft.com/office/powerpoint/2010/main" Requires="p14">
+      <mc:AlternateContent xmlns:mc="http://schemas.openxmlformats.org/markup-compatibility/2006" xmlns:p14="http://schemas.microsoft.com/office/powerpoint/2010/main">
+        <mc:Choice Requires="p14">
           <p:contentPart p14:bwMode="auto" r:id="rId16">
             <p14:nvContentPartPr>
               <p14:cNvPr id="30" name="Ink 29">
@@ -5281,7 +5286,7 @@
             </p14:xfrm>
           </p:contentPart>
         </mc:Choice>
-        <mc:Fallback>
+        <mc:Fallback xmlns="">
           <p:pic>
             <p:nvPicPr>
               <p:cNvPr id="30" name="Ink 29">
@@ -5332,8 +5337,8 @@
             <a:chExt cx="379800" cy="501840"/>
           </a:xfrm>
         </p:grpSpPr>
-        <mc:AlternateContent xmlns:mc="http://schemas.openxmlformats.org/markup-compatibility/2006">
-          <mc:Choice xmlns:p14="http://schemas.microsoft.com/office/powerpoint/2010/main" Requires="p14">
+        <mc:AlternateContent xmlns:mc="http://schemas.openxmlformats.org/markup-compatibility/2006" xmlns:p14="http://schemas.microsoft.com/office/powerpoint/2010/main">
+          <mc:Choice Requires="p14">
             <p:contentPart p14:bwMode="auto" r:id="rId17">
               <p14:nvContentPartPr>
                 <p14:cNvPr id="31" name="Ink 30">
@@ -5352,7 +5357,7 @@
               </p14:xfrm>
             </p:contentPart>
           </mc:Choice>
-          <mc:Fallback>
+          <mc:Fallback xmlns="">
             <p:pic>
               <p:nvPicPr>
                 <p:cNvPr id="31" name="Ink 30">
@@ -5383,8 +5388,8 @@
             </p:pic>
           </mc:Fallback>
         </mc:AlternateContent>
-        <mc:AlternateContent xmlns:mc="http://schemas.openxmlformats.org/markup-compatibility/2006">
-          <mc:Choice xmlns:p14="http://schemas.microsoft.com/office/powerpoint/2010/main" Requires="p14">
+        <mc:AlternateContent xmlns:mc="http://schemas.openxmlformats.org/markup-compatibility/2006" xmlns:p14="http://schemas.microsoft.com/office/powerpoint/2010/main">
+          <mc:Choice Requires="p14">
             <p:contentPart p14:bwMode="auto" r:id="rId18">
               <p14:nvContentPartPr>
                 <p14:cNvPr id="34" name="Ink 33">
@@ -5403,7 +5408,7 @@
               </p14:xfrm>
             </p:contentPart>
           </mc:Choice>
-          <mc:Fallback>
+          <mc:Fallback xmlns="">
             <p:pic>
               <p:nvPicPr>
                 <p:cNvPr id="34" name="Ink 33">
@@ -5434,8 +5439,8 @@
             </p:pic>
           </mc:Fallback>
         </mc:AlternateContent>
-        <mc:AlternateContent xmlns:mc="http://schemas.openxmlformats.org/markup-compatibility/2006">
-          <mc:Choice xmlns:p14="http://schemas.microsoft.com/office/powerpoint/2010/main" Requires="p14">
+        <mc:AlternateContent xmlns:mc="http://schemas.openxmlformats.org/markup-compatibility/2006" xmlns:p14="http://schemas.microsoft.com/office/powerpoint/2010/main">
+          <mc:Choice Requires="p14">
             <p:contentPart p14:bwMode="auto" r:id="rId19">
               <p14:nvContentPartPr>
                 <p14:cNvPr id="37" name="Ink 36">
@@ -5454,7 +5459,7 @@
               </p14:xfrm>
             </p:contentPart>
           </mc:Choice>
-          <mc:Fallback>
+          <mc:Fallback xmlns="">
             <p:pic>
               <p:nvPicPr>
                 <p:cNvPr id="37" name="Ink 36">
@@ -5485,8 +5490,8 @@
             </p:pic>
           </mc:Fallback>
         </mc:AlternateContent>
-        <mc:AlternateContent xmlns:mc="http://schemas.openxmlformats.org/markup-compatibility/2006">
-          <mc:Choice xmlns:p14="http://schemas.microsoft.com/office/powerpoint/2010/main" Requires="p14">
+        <mc:AlternateContent xmlns:mc="http://schemas.openxmlformats.org/markup-compatibility/2006" xmlns:p14="http://schemas.microsoft.com/office/powerpoint/2010/main">
+          <mc:Choice Requires="p14">
             <p:contentPart p14:bwMode="auto" r:id="rId20">
               <p14:nvContentPartPr>
                 <p14:cNvPr id="32" name="Ink 31">
@@ -5505,7 +5510,7 @@
               </p14:xfrm>
             </p:contentPart>
           </mc:Choice>
-          <mc:Fallback>
+          <mc:Fallback xmlns="">
             <p:pic>
               <p:nvPicPr>
                 <p:cNvPr id="32" name="Ink 31">
@@ -5536,8 +5541,8 @@
             </p:pic>
           </mc:Fallback>
         </mc:AlternateContent>
-        <mc:AlternateContent xmlns:mc="http://schemas.openxmlformats.org/markup-compatibility/2006">
-          <mc:Choice xmlns:p14="http://schemas.microsoft.com/office/powerpoint/2010/main" Requires="p14">
+        <mc:AlternateContent xmlns:mc="http://schemas.openxmlformats.org/markup-compatibility/2006" xmlns:p14="http://schemas.microsoft.com/office/powerpoint/2010/main">
+          <mc:Choice Requires="p14">
             <p:contentPart p14:bwMode="auto" r:id="rId21">
               <p14:nvContentPartPr>
                 <p14:cNvPr id="33" name="Ink 32">
@@ -5556,7 +5561,7 @@
               </p14:xfrm>
             </p:contentPart>
           </mc:Choice>
-          <mc:Fallback>
+          <mc:Fallback xmlns="">
             <p:pic>
               <p:nvPicPr>
                 <p:cNvPr id="33" name="Ink 32">
@@ -5587,8 +5592,8 @@
             </p:pic>
           </mc:Fallback>
         </mc:AlternateContent>
-        <mc:AlternateContent xmlns:mc="http://schemas.openxmlformats.org/markup-compatibility/2006">
-          <mc:Choice xmlns:p14="http://schemas.microsoft.com/office/powerpoint/2010/main" Requires="p14">
+        <mc:AlternateContent xmlns:mc="http://schemas.openxmlformats.org/markup-compatibility/2006" xmlns:p14="http://schemas.microsoft.com/office/powerpoint/2010/main">
+          <mc:Choice Requires="p14">
             <p:contentPart p14:bwMode="auto" r:id="rId22">
               <p14:nvContentPartPr>
                 <p14:cNvPr id="38" name="Ink 37">
@@ -5607,7 +5612,7 @@
               </p14:xfrm>
             </p:contentPart>
           </mc:Choice>
-          <mc:Fallback>
+          <mc:Fallback xmlns="">
             <p:pic>
               <p:nvPicPr>
                 <p:cNvPr id="38" name="Ink 37">
@@ -5638,8 +5643,8 @@
             </p:pic>
           </mc:Fallback>
         </mc:AlternateContent>
-        <mc:AlternateContent xmlns:mc="http://schemas.openxmlformats.org/markup-compatibility/2006">
-          <mc:Choice xmlns:p14="http://schemas.microsoft.com/office/powerpoint/2010/main" Requires="p14">
+        <mc:AlternateContent xmlns:mc="http://schemas.openxmlformats.org/markup-compatibility/2006" xmlns:p14="http://schemas.microsoft.com/office/powerpoint/2010/main">
+          <mc:Choice Requires="p14">
             <p:contentPart p14:bwMode="auto" r:id="rId23">
               <p14:nvContentPartPr>
                 <p14:cNvPr id="39" name="Ink 38">
@@ -5658,7 +5663,7 @@
               </p14:xfrm>
             </p:contentPart>
           </mc:Choice>
-          <mc:Fallback>
+          <mc:Fallback xmlns="">
             <p:pic>
               <p:nvPicPr>
                 <p:cNvPr id="39" name="Ink 38">
@@ -5689,8 +5694,8 @@
             </p:pic>
           </mc:Fallback>
         </mc:AlternateContent>
-        <mc:AlternateContent xmlns:mc="http://schemas.openxmlformats.org/markup-compatibility/2006">
-          <mc:Choice xmlns:p14="http://schemas.microsoft.com/office/powerpoint/2010/main" Requires="p14">
+        <mc:AlternateContent xmlns:mc="http://schemas.openxmlformats.org/markup-compatibility/2006" xmlns:p14="http://schemas.microsoft.com/office/powerpoint/2010/main">
+          <mc:Choice Requires="p14">
             <p:contentPart p14:bwMode="auto" r:id="rId24">
               <p14:nvContentPartPr>
                 <p14:cNvPr id="41" name="Ink 40">
@@ -5709,7 +5714,7 @@
               </p14:xfrm>
             </p:contentPart>
           </mc:Choice>
-          <mc:Fallback>
+          <mc:Fallback xmlns="">
             <p:pic>
               <p:nvPicPr>
                 <p:cNvPr id="41" name="Ink 40">
@@ -6186,7 +6191,9 @@
           </a:xfrm>
         </p:spPr>
         <p:txBody>
-          <a:bodyPr/>
+          <a:bodyPr>
+            <a:normAutofit lnSpcReduction="10000"/>
+          </a:bodyPr>
           <a:lstStyle/>
           <a:p>
             <a:endParaRPr lang="en-US" sz="1800" dirty="0">
@@ -6201,7 +6208,7 @@
           </a:p>
           <a:p>
             <a:r>
-              <a:rPr lang="en-US" sz="1800" b="1" dirty="0">
+              <a:rPr lang="en-US" sz="1700" b="1" dirty="0">
                 <a:solidFill>
                   <a:srgbClr val="7030A0"/>
                 </a:solidFill>
@@ -6212,7 +6219,7 @@
               <a:t>Regularization restricts the size of the coefficients.  </a:t>
             </a:r>
             <a:r>
-              <a:rPr lang="en-US" sz="1800" b="1" spc="-5" dirty="0">
+              <a:rPr lang="en-US" sz="1700" b="1" spc="-5" dirty="0">
                 <a:solidFill>
                   <a:srgbClr val="7030A0"/>
                 </a:solidFill>
@@ -6220,9 +6227,109 @@
                 <a:ea typeface="Calibri" panose="020F0502020204030204" pitchFamily="34" charset="0"/>
                 <a:cs typeface="Times New Roman" panose="02020603050405020304" pitchFamily="18" charset="0"/>
               </a:rPr>
-              <a:t>They add a penalty to how big your beta vector can get.</a:t>
-            </a:r>
-            <a:endParaRPr lang="en-US" sz="1800" spc="-5" dirty="0">
+              <a:t>It adds a penalty to how big the beta vector can get.</a:t>
+            </a:r>
+          </a:p>
+          <a:p>
+            <a:r>
+              <a:rPr lang="en-US" sz="1700" spc="-5" dirty="0">
+                <a:solidFill>
+                  <a:srgbClr val="292929"/>
+                </a:solidFill>
+                <a:cs typeface="Times New Roman" panose="02020603050405020304" pitchFamily="18" charset="0"/>
+              </a:rPr>
+              <a:t>By restricting the overall “beta budget,”  variance will be reduced but the algorithm can no longer guarantee unbiased estimators.</a:t>
+            </a:r>
+          </a:p>
+          <a:p>
+            <a:r>
+              <a:rPr lang="en-US" sz="1700" spc="-5" dirty="0">
+                <a:solidFill>
+                  <a:srgbClr val="292929"/>
+                </a:solidFill>
+                <a:cs typeface="Times New Roman" panose="02020603050405020304" pitchFamily="18" charset="0"/>
+              </a:rPr>
+              <a:t>The most common forms are </a:t>
+            </a:r>
+          </a:p>
+          <a:p>
+            <a:r>
+              <a:rPr lang="en-US" sz="1700" spc="-5" dirty="0">
+                <a:solidFill>
+                  <a:srgbClr val="292929"/>
+                </a:solidFill>
+                <a:cs typeface="Times New Roman" panose="02020603050405020304" pitchFamily="18" charset="0"/>
+              </a:rPr>
+              <a:t>	* </a:t>
+            </a:r>
+            <a:r>
+              <a:rPr lang="en-US" sz="1700" b="1" spc="-5" dirty="0">
+                <a:solidFill>
+                  <a:schemeClr val="accent6">
+                    <a:lumMod val="75000"/>
+                  </a:schemeClr>
+                </a:solidFill>
+                <a:cs typeface="Times New Roman" panose="02020603050405020304" pitchFamily="18" charset="0"/>
+              </a:rPr>
+              <a:t>Lasso, </a:t>
+            </a:r>
+          </a:p>
+          <a:p>
+            <a:r>
+              <a:rPr lang="en-US" sz="1700" spc="-5" dirty="0">
+                <a:solidFill>
+                  <a:srgbClr val="292929"/>
+                </a:solidFill>
+                <a:cs typeface="Times New Roman" panose="02020603050405020304" pitchFamily="18" charset="0"/>
+              </a:rPr>
+              <a:t>	* </a:t>
+            </a:r>
+            <a:r>
+              <a:rPr lang="en-US" sz="1700" b="1" spc="-5" dirty="0">
+                <a:solidFill>
+                  <a:schemeClr val="accent6">
+                    <a:lumMod val="75000"/>
+                  </a:schemeClr>
+                </a:solidFill>
+                <a:cs typeface="Times New Roman" panose="02020603050405020304" pitchFamily="18" charset="0"/>
+              </a:rPr>
+              <a:t>Ridge, </a:t>
+            </a:r>
+            <a:r>
+              <a:rPr lang="en-US" sz="1700" spc="-5" dirty="0">
+                <a:cs typeface="Times New Roman" panose="02020603050405020304" pitchFamily="18" charset="0"/>
+              </a:rPr>
+              <a:t>and</a:t>
+            </a:r>
+            <a:r>
+              <a:rPr lang="en-US" sz="1700" b="1" spc="-5" dirty="0">
+                <a:cs typeface="Times New Roman" panose="02020603050405020304" pitchFamily="18" charset="0"/>
+              </a:rPr>
+              <a:t> </a:t>
+            </a:r>
+          </a:p>
+          <a:p>
+            <a:r>
+              <a:rPr lang="en-US" sz="1700" spc="-5" dirty="0">
+                <a:solidFill>
+                  <a:srgbClr val="292929"/>
+                </a:solidFill>
+                <a:cs typeface="Times New Roman" panose="02020603050405020304" pitchFamily="18" charset="0"/>
+              </a:rPr>
+              <a:t>	* </a:t>
+            </a:r>
+            <a:r>
+              <a:rPr lang="en-US" sz="1700" b="1" spc="-5" dirty="0">
+                <a:solidFill>
+                  <a:schemeClr val="accent6">
+                    <a:lumMod val="75000"/>
+                  </a:schemeClr>
+                </a:solidFill>
+                <a:cs typeface="Times New Roman" panose="02020603050405020304" pitchFamily="18" charset="0"/>
+              </a:rPr>
+              <a:t>Elastic Net</a:t>
+            </a:r>
+            <a:endParaRPr lang="en-US" sz="1700" spc="-5" dirty="0">
               <a:solidFill>
                 <a:srgbClr val="292929"/>
               </a:solidFill>
@@ -6231,14 +6338,33 @@
           </a:p>
           <a:p>
             <a:r>
-              <a:rPr lang="en-US" spc="-5" dirty="0">
+              <a:rPr lang="en-US" sz="1700" u="sng" spc="-5" dirty="0">
                 <a:solidFill>
                   <a:srgbClr val="292929"/>
                 </a:solidFill>
+                <a:effectLst/>
+                <a:ea typeface="Calibri" panose="020F0502020204030204" pitchFamily="34" charset="0"/>
                 <a:cs typeface="Times New Roman" panose="02020603050405020304" pitchFamily="18" charset="0"/>
               </a:rPr>
-              <a:t>The most common forms are Lasso, Ridge and Elastic Net regression.</a:t>
-            </a:r>
+              <a:t>The role of Lambda </a:t>
+            </a:r>
+            <a:r>
+              <a:rPr lang="en-US" sz="1700" spc="-5" dirty="0">
+                <a:solidFill>
+                  <a:srgbClr val="292929"/>
+                </a:solidFill>
+                <a:effectLst/>
+                <a:ea typeface="Calibri" panose="020F0502020204030204" pitchFamily="34" charset="0"/>
+                <a:cs typeface="Times New Roman" panose="02020603050405020304" pitchFamily="18" charset="0"/>
+              </a:rPr>
+              <a:t>- Regularization utilizes the parameter lambda to control the amount of penalty.</a:t>
+            </a:r>
+            <a:endParaRPr lang="en-US" sz="1700" spc="-5" dirty="0">
+              <a:solidFill>
+                <a:srgbClr val="292929"/>
+              </a:solidFill>
+              <a:cs typeface="Times New Roman" panose="02020603050405020304" pitchFamily="18" charset="0"/>
+            </a:endParaRPr>
           </a:p>
           <a:p>
             <a:endParaRPr lang="en-US" sz="1800" spc="-5" dirty="0">
@@ -6503,6 +6629,60 @@
             </a:endParaRPr>
           </a:p>
           <a:p>
+            <a:endParaRPr lang="en-US" dirty="0"/>
+          </a:p>
+        </p:txBody>
+      </p:sp>
+      <p:sp>
+        <p:nvSpPr>
+          <p:cNvPr id="2" name="TextBox 1">
+            <a:extLst>
+              <a:ext uri="{FF2B5EF4-FFF2-40B4-BE49-F238E27FC236}">
+                <a16:creationId xmlns:a16="http://schemas.microsoft.com/office/drawing/2014/main" id="{FDD02854-CDBD-F944-753D-A7810414F8BE}"/>
+              </a:ext>
+            </a:extLst>
+          </p:cNvPr>
+          <p:cNvSpPr txBox="1"/>
+          <p:nvPr/>
+        </p:nvSpPr>
+        <p:spPr>
+          <a:xfrm>
+            <a:off x="5700694" y="4951876"/>
+            <a:ext cx="5041008" cy="369332"/>
+          </a:xfrm>
+          <a:prstGeom prst="rect">
+            <a:avLst/>
+          </a:prstGeom>
+          <a:noFill/>
+        </p:spPr>
+        <p:txBody>
+          <a:bodyPr wrap="square" rtlCol="0">
+            <a:spAutoFit/>
+          </a:bodyPr>
+          <a:lstStyle/>
+          <a:p>
+            <a:r>
+              <a:rPr lang="en-US" sz="1800" b="1" dirty="0">
+                <a:solidFill>
+                  <a:srgbClr val="00B050"/>
+                </a:solidFill>
+                <a:effectLst/>
+                <a:latin typeface="Helvetica" panose="020B0604020202020204" pitchFamily="34" charset="0"/>
+                <a:ea typeface="Times New Roman" panose="02020603050405020304" pitchFamily="18" charset="0"/>
+              </a:rPr>
+              <a:t>Elastic net </a:t>
+            </a:r>
+            <a:r>
+              <a:rPr lang="en-US" sz="1800" spc="-5" dirty="0">
+                <a:solidFill>
+                  <a:srgbClr val="292929"/>
+                </a:solidFill>
+                <a:effectLst/>
+                <a:latin typeface="Georgia" panose="02040502050405020303" pitchFamily="18" charset="0"/>
+                <a:ea typeface="Times New Roman" panose="02020603050405020304" pitchFamily="18" charset="0"/>
+              </a:rPr>
+              <a:t>combines l1 and L2 penalties. </a:t>
+            </a:r>
             <a:endParaRPr lang="en-US" dirty="0"/>
           </a:p>
         </p:txBody>
@@ -6720,7 +6900,7 @@
           <a:p>
             <a:r>
               <a:rPr lang="en-US" sz="2000" b="1" dirty="0"/>
-              <a:t>How do the three techniques differ?</a:t>
+              <a:t>What is Lasso Regression?</a:t>
             </a:r>
           </a:p>
         </p:txBody>
@@ -6743,52 +6923,22 @@
         </p:nvSpPr>
         <p:spPr/>
       </p:sp>
-      <p:pic>
-        <p:nvPicPr>
-          <p:cNvPr id="15" name="Picture 14">
-            <a:extLst>
-              <a:ext uri="{FF2B5EF4-FFF2-40B4-BE49-F238E27FC236}">
-                <a16:creationId xmlns:a16="http://schemas.microsoft.com/office/drawing/2014/main" id="{49330144-7FAC-F824-7A83-7491DA411829}"/>
-              </a:ext>
-            </a:extLst>
-          </p:cNvPr>
-          <p:cNvPicPr>
-            <a:picLocks noChangeAspect="1"/>
-          </p:cNvPicPr>
+      <p:sp>
+        <p:nvSpPr>
+          <p:cNvPr id="3" name="TextBox 2">
+            <a:extLst>
+              <a:ext uri="{FF2B5EF4-FFF2-40B4-BE49-F238E27FC236}">
+                <a16:creationId xmlns:a16="http://schemas.microsoft.com/office/drawing/2014/main" id="{FD4271A9-ED81-7CF1-3B01-101E62DF9F83}"/>
+              </a:ext>
+            </a:extLst>
+          </p:cNvPr>
+          <p:cNvSpPr txBox="1"/>
           <p:nvPr/>
-        </p:nvPicPr>
-        <p:blipFill>
-          <a:blip r:embed="rId2"/>
-          <a:stretch>
-            <a:fillRect/>
-          </a:stretch>
-        </p:blipFill>
+        </p:nvSpPr>
         <p:spPr>
           <a:xfrm>
-            <a:off x="5966561" y="2021274"/>
-            <a:ext cx="4605454" cy="532355"/>
-          </a:xfrm>
-          <a:prstGeom prst="rect">
-            <a:avLst/>
-          </a:prstGeom>
-        </p:spPr>
-      </p:pic>
-      <p:sp>
-        <p:nvSpPr>
-          <p:cNvPr id="16" name="TextBox 15">
-            <a:extLst>
-              <a:ext uri="{FF2B5EF4-FFF2-40B4-BE49-F238E27FC236}">
-                <a16:creationId xmlns:a16="http://schemas.microsoft.com/office/drawing/2014/main" id="{E5697CF8-3536-3A6A-6E34-6C549E35A3E1}"/>
-              </a:ext>
-            </a:extLst>
-          </p:cNvPr>
-          <p:cNvSpPr txBox="1"/>
-          <p:nvPr/>
-        </p:nvSpPr>
-        <p:spPr>
-          <a:xfrm>
-            <a:off x="5531007" y="2685573"/>
-            <a:ext cx="2375208" cy="2308324"/>
+            <a:off x="5489188" y="1828129"/>
+            <a:ext cx="5182529" cy="369332"/>
           </a:xfrm>
           <a:prstGeom prst="rect">
             <a:avLst/>
@@ -6796,61 +6946,81 @@
           <a:noFill/>
         </p:spPr>
         <p:txBody>
-          <a:bodyPr wrap="square" rtlCol="0">
+          <a:bodyPr wrap="square">
             <a:spAutoFit/>
           </a:bodyPr>
           <a:lstStyle/>
           <a:p>
             <a:r>
-              <a:rPr lang="en-US" sz="1800" b="1" dirty="0">
-                <a:solidFill>
-                  <a:srgbClr val="00B050"/>
-                </a:solidFill>
-                <a:effectLst/>
-                <a:latin typeface="Helvetica" panose="020B0604020202020204" pitchFamily="34" charset="0"/>
-                <a:ea typeface="Times New Roman" panose="02020603050405020304" pitchFamily="18" charset="0"/>
-              </a:rPr>
-              <a:t>Lasso</a:t>
-            </a:r>
-            <a:r>
-              <a:rPr lang="en-US" sz="1800" dirty="0">
+              <a:rPr lang="el-GR" b="1" i="0">
                 <a:solidFill>
                   <a:srgbClr val="000000"/>
                 </a:solidFill>
                 <a:effectLst/>
                 <a:latin typeface="Helvetica" panose="020B0604020202020204" pitchFamily="34" charset="0"/>
-                <a:ea typeface="Times New Roman" panose="02020603050405020304" pitchFamily="18" charset="0"/>
               </a:rPr>
-              <a:t> </a:t>
-            </a:r>
-            <a:r>
-              <a:rPr lang="en-US" sz="1800" spc="-5" dirty="0">
+              <a:t>RSS = Σ(y</a:t>
+            </a:r>
+            <a:r>
+              <a:rPr lang="el-GR" b="1" i="0" baseline="-25000">
                 <a:solidFill>
-                  <a:srgbClr val="292929"/>
+                  <a:srgbClr val="000000"/>
                 </a:solidFill>
                 <a:effectLst/>
-                <a:latin typeface="Georgia" panose="02040502050405020303" pitchFamily="18" charset="0"/>
-                <a:ea typeface="Times New Roman" panose="02020603050405020304" pitchFamily="18" charset="0"/>
+                <a:latin typeface="inherit"/>
               </a:rPr>
-              <a:t>puts a penalty on the l1-norm of your Beta vector. The l1-norm of a vector is the sum of the absolute values in the vector.</a:t>
-            </a:r>
-            <a:endParaRPr lang="en-US" sz="1800" dirty="0">
-              <a:effectLst/>
-              <a:latin typeface="Times New Roman" panose="02020603050405020304" pitchFamily="18" charset="0"/>
-              <a:ea typeface="Times New Roman" panose="02020603050405020304" pitchFamily="18" charset="0"/>
-            </a:endParaRPr>
-          </a:p>
-          <a:p>
+              <a:t>i</a:t>
+            </a:r>
+            <a:r>
+              <a:rPr lang="el-GR" b="1" i="0">
+                <a:solidFill>
+                  <a:srgbClr val="000000"/>
+                </a:solidFill>
+                <a:effectLst/>
+                <a:latin typeface="Helvetica" panose="020B0604020202020204" pitchFamily="34" charset="0"/>
+              </a:rPr>
+              <a:t> – ŷ</a:t>
+            </a:r>
+            <a:r>
+              <a:rPr lang="el-GR" b="1" i="0" baseline="-25000">
+                <a:solidFill>
+                  <a:srgbClr val="000000"/>
+                </a:solidFill>
+                <a:effectLst/>
+                <a:latin typeface="inherit"/>
+              </a:rPr>
+              <a:t>i</a:t>
+            </a:r>
+            <a:r>
+              <a:rPr lang="el-GR" b="1" i="0">
+                <a:solidFill>
+                  <a:srgbClr val="000000"/>
+                </a:solidFill>
+                <a:effectLst/>
+                <a:latin typeface="Helvetica" panose="020B0604020202020204" pitchFamily="34" charset="0"/>
+              </a:rPr>
+              <a:t>)</a:t>
+            </a:r>
+            <a:r>
+              <a:rPr lang="el-GR" b="1" i="0" baseline="30000">
+                <a:solidFill>
+                  <a:srgbClr val="000000"/>
+                </a:solidFill>
+                <a:effectLst/>
+                <a:latin typeface="inherit"/>
+              </a:rPr>
+              <a:t>2</a:t>
+            </a:r>
             <a:endParaRPr lang="en-US" dirty="0"/>
           </a:p>
         </p:txBody>
       </p:sp>
       <p:sp>
         <p:nvSpPr>
-          <p:cNvPr id="17" name="TextBox 16">
-            <a:extLst>
-              <a:ext uri="{FF2B5EF4-FFF2-40B4-BE49-F238E27FC236}">
-                <a16:creationId xmlns:a16="http://schemas.microsoft.com/office/drawing/2014/main" id="{B482DBE9-3B57-3A8C-9292-523A406F768E}"/>
+          <p:cNvPr id="6" name="TextBox 5">
+            <a:extLst>
+              <a:ext uri="{FF2B5EF4-FFF2-40B4-BE49-F238E27FC236}">
+                <a16:creationId xmlns:a16="http://schemas.microsoft.com/office/drawing/2014/main" id="{6B16AC3A-E58A-4877-BAA5-D289EC760801}"/>
               </a:ext>
             </a:extLst>
           </p:cNvPr>
@@ -6859,8 +7029,8 @@
         </p:nvSpPr>
         <p:spPr>
           <a:xfrm>
-            <a:off x="8317378" y="2713439"/>
-            <a:ext cx="2375208" cy="2585323"/>
+            <a:off x="5868794" y="2210034"/>
+            <a:ext cx="2211658" cy="369332"/>
           </a:xfrm>
           <a:prstGeom prst="rect">
             <a:avLst/>
@@ -6874,65 +7044,117 @@
           <a:lstStyle/>
           <a:p>
             <a:r>
-              <a:rPr lang="en-US" sz="1800" b="1" dirty="0">
-                <a:solidFill>
-                  <a:srgbClr val="00B050"/>
-                </a:solidFill>
-                <a:effectLst/>
-                <a:latin typeface="Helvetica" panose="020B0604020202020204" pitchFamily="34" charset="0"/>
-                <a:ea typeface="Times New Roman" panose="02020603050405020304" pitchFamily="18" charset="0"/>
-              </a:rPr>
-              <a:t>Ridge</a:t>
-            </a:r>
-            <a:r>
-              <a:rPr lang="en-US" sz="1800" dirty="0">
+              <a:rPr lang="en-US" b="1" i="0" dirty="0">
                 <a:solidFill>
                   <a:srgbClr val="000000"/>
                 </a:solidFill>
                 <a:effectLst/>
                 <a:latin typeface="Helvetica" panose="020B0604020202020204" pitchFamily="34" charset="0"/>
-                <a:ea typeface="Times New Roman" panose="02020603050405020304" pitchFamily="18" charset="0"/>
               </a:rPr>
-              <a:t> </a:t>
-            </a:r>
-            <a:r>
-              <a:rPr lang="en-US" sz="1800" spc="-5" dirty="0">
+              <a:t>RSS + </a:t>
+            </a:r>
+            <a:r>
+              <a:rPr lang="el-GR" b="1" i="0" dirty="0">
                 <a:solidFill>
-                  <a:srgbClr val="292929"/>
+                  <a:srgbClr val="000000"/>
                 </a:solidFill>
                 <a:effectLst/>
-                <a:latin typeface="Georgia" panose="02040502050405020303" pitchFamily="18" charset="0"/>
-                <a:ea typeface="Calibri" panose="020F0502020204030204" pitchFamily="34" charset="0"/>
-                <a:cs typeface="Times New Roman" panose="02020603050405020304" pitchFamily="18" charset="0"/>
+                <a:latin typeface="Helvetica" panose="020B0604020202020204" pitchFamily="34" charset="0"/>
               </a:rPr>
-              <a:t>puts a penalty on the l2-norm of your Beta vector. The 2-norm of a vector is the square root of the sum of the squared values in the vector.</a:t>
-            </a:r>
-            <a:endParaRPr lang="en-US" sz="1800" dirty="0">
-              <a:effectLst/>
-              <a:latin typeface="Calibri" panose="020F0502020204030204" pitchFamily="34" charset="0"/>
-              <a:ea typeface="Calibri" panose="020F0502020204030204" pitchFamily="34" charset="0"/>
-              <a:cs typeface="Times New Roman" panose="02020603050405020304" pitchFamily="18" charset="0"/>
-            </a:endParaRPr>
-          </a:p>
-          <a:p>
-            <a:r>
-              <a:rPr lang="en-US" sz="1800" spc="-5" dirty="0">
+              <a:t>λΣ|β</a:t>
+            </a:r>
+            <a:r>
+              <a:rPr lang="en-US" b="1" i="0" baseline="-25000" dirty="0">
                 <a:solidFill>
-                  <a:srgbClr val="292929"/>
+                  <a:srgbClr val="000000"/>
                 </a:solidFill>
                 <a:effectLst/>
-                <a:latin typeface="Georgia" panose="02040502050405020303" pitchFamily="18" charset="0"/>
-                <a:ea typeface="Times New Roman" panose="02020603050405020304" pitchFamily="18" charset="0"/>
+                <a:latin typeface="inherit"/>
               </a:rPr>
-              <a:t>.</a:t>
-            </a:r>
-            <a:endParaRPr lang="en-US" sz="1800" dirty="0">
-              <a:effectLst/>
-              <a:latin typeface="Times New Roman" panose="02020603050405020304" pitchFamily="18" charset="0"/>
-              <a:ea typeface="Times New Roman" panose="02020603050405020304" pitchFamily="18" charset="0"/>
-            </a:endParaRPr>
-          </a:p>
-          <a:p>
+              <a:t>j</a:t>
+            </a:r>
+            <a:r>
+              <a:rPr lang="en-US" b="1" i="0" dirty="0">
+                <a:solidFill>
+                  <a:srgbClr val="000000"/>
+                </a:solidFill>
+                <a:effectLst/>
+                <a:latin typeface="Helvetica" panose="020B0604020202020204" pitchFamily="34" charset="0"/>
+              </a:rPr>
+              <a:t>|</a:t>
+            </a:r>
+            <a:endParaRPr lang="en-US" dirty="0"/>
+          </a:p>
+        </p:txBody>
+      </p:sp>
+      <p:sp>
+        <p:nvSpPr>
+          <p:cNvPr id="7" name="TextBox 6">
+            <a:extLst>
+              <a:ext uri="{FF2B5EF4-FFF2-40B4-BE49-F238E27FC236}">
+                <a16:creationId xmlns:a16="http://schemas.microsoft.com/office/drawing/2014/main" id="{626D7B38-CAE5-3B41-3AD4-29D66996544C}"/>
+              </a:ext>
+            </a:extLst>
+          </p:cNvPr>
+          <p:cNvSpPr txBox="1"/>
+          <p:nvPr/>
+        </p:nvSpPr>
+        <p:spPr>
+          <a:xfrm>
+            <a:off x="5868794" y="2579366"/>
+            <a:ext cx="1447832" cy="369332"/>
+          </a:xfrm>
+          <a:prstGeom prst="rect">
+            <a:avLst/>
+          </a:prstGeom>
+          <a:noFill/>
+        </p:spPr>
+        <p:txBody>
+          <a:bodyPr wrap="none" rtlCol="0">
+            <a:spAutoFit/>
+          </a:bodyPr>
+          <a:lstStyle/>
+          <a:p>
+            <a:r>
+              <a:rPr lang="en-US" b="1" i="0" dirty="0">
+                <a:solidFill>
+                  <a:srgbClr val="000000"/>
+                </a:solidFill>
+                <a:effectLst/>
+                <a:latin typeface="Helvetica" panose="020B0604020202020204" pitchFamily="34" charset="0"/>
+              </a:rPr>
+              <a:t>RSS + </a:t>
+            </a:r>
+            <a:r>
+              <a:rPr lang="el-GR" b="1" i="0" dirty="0">
+                <a:solidFill>
+                  <a:srgbClr val="000000"/>
+                </a:solidFill>
+                <a:effectLst/>
+                <a:latin typeface="Helvetica" panose="020B0604020202020204" pitchFamily="34" charset="0"/>
+              </a:rPr>
+              <a:t>λΣβ</a:t>
+            </a:r>
+            <a:r>
+              <a:rPr lang="en-US" b="1" i="0" baseline="-25000" dirty="0">
+                <a:solidFill>
+                  <a:srgbClr val="000000"/>
+                </a:solidFill>
+                <a:effectLst/>
+                <a:latin typeface="inherit"/>
+              </a:rPr>
+              <a:t>j</a:t>
+            </a:r>
+            <a:r>
+              <a:rPr lang="en-US" b="1" i="0" baseline="30000" dirty="0">
+                <a:solidFill>
+                  <a:srgbClr val="000000"/>
+                </a:solidFill>
+                <a:effectLst/>
+                <a:latin typeface="inherit"/>
+              </a:rPr>
+              <a:t>2</a:t>
+            </a:r>
             <a:endParaRPr lang="en-US" dirty="0"/>
           </a:p>
         </p:txBody>
